--- a/Personal Robot - Apresentação - 12-03-2018.pptx
+++ b/Personal Robot - Apresentação - 12-03-2018.pptx
@@ -8,7 +8,8 @@
     <p:sldId id="256" r:id="rId2"/>
     <p:sldId id="257" r:id="rId3"/>
     <p:sldId id="258" r:id="rId4"/>
-    <p:sldId id="259" r:id="rId5"/>
+    <p:sldId id="260" r:id="rId5"/>
+    <p:sldId id="259" r:id="rId6"/>
   </p:sldIdLst>
   <p:sldSz cx="12192000" cy="6858000"/>
   <p:notesSz cx="6858000" cy="9144000"/>
@@ -323,6 +324,7 @@
           <a:p>
             <a:fld id="{70249A31-1664-4F51-87D9-D192DA5F4C52}" type="datetimeFigureOut">
               <a:rPr lang="pt-BR" smtClean="0"/>
+              <a:pPr/>
               <a:t>09/03/2018</a:t>
             </a:fld>
             <a:endParaRPr lang="pt-BR"/>
@@ -365,6 +367,7 @@
           <a:p>
             <a:fld id="{1997170A-4BD6-419D-BFAC-B705B3AD6352}" type="slidenum">
               <a:rPr lang="pt-BR" smtClean="0"/>
+              <a:pPr/>
               <a:t>‹nº›</a:t>
             </a:fld>
             <a:endParaRPr lang="pt-BR"/>
@@ -374,7 +377,7 @@
     </p:spTree>
     <p:extLst>
       <p:ext uri="{BB962C8B-B14F-4D97-AF65-F5344CB8AC3E}">
-        <p14:creationId xmlns:p14="http://schemas.microsoft.com/office/powerpoint/2010/main" val="3545002959"/>
+        <p14:creationId xmlns:p14="http://schemas.microsoft.com/office/powerpoint/2010/main" xmlns="" val="3545002959"/>
       </p:ext>
     </p:extLst>
   </p:cSld>
@@ -614,6 +617,7 @@
           <a:p>
             <a:fld id="{70249A31-1664-4F51-87D9-D192DA5F4C52}" type="datetimeFigureOut">
               <a:rPr lang="pt-BR" smtClean="0"/>
+              <a:pPr/>
               <a:t>09/03/2018</a:t>
             </a:fld>
             <a:endParaRPr lang="pt-BR"/>
@@ -656,6 +660,7 @@
           <a:p>
             <a:fld id="{1997170A-4BD6-419D-BFAC-B705B3AD6352}" type="slidenum">
               <a:rPr lang="pt-BR" smtClean="0"/>
+              <a:pPr/>
               <a:t>‹nº›</a:t>
             </a:fld>
             <a:endParaRPr lang="pt-BR"/>
@@ -665,7 +670,7 @@
     </p:spTree>
     <p:extLst>
       <p:ext uri="{BB962C8B-B14F-4D97-AF65-F5344CB8AC3E}">
-        <p14:creationId xmlns:p14="http://schemas.microsoft.com/office/powerpoint/2010/main" val="2725010978"/>
+        <p14:creationId xmlns:p14="http://schemas.microsoft.com/office/powerpoint/2010/main" xmlns="" val="2725010978"/>
       </p:ext>
     </p:extLst>
   </p:cSld>
@@ -873,6 +878,7 @@
           <a:p>
             <a:fld id="{70249A31-1664-4F51-87D9-D192DA5F4C52}" type="datetimeFigureOut">
               <a:rPr lang="pt-BR" smtClean="0"/>
+              <a:pPr/>
               <a:t>09/03/2018</a:t>
             </a:fld>
             <a:endParaRPr lang="pt-BR"/>
@@ -915,6 +921,7 @@
           <a:p>
             <a:fld id="{1997170A-4BD6-419D-BFAC-B705B3AD6352}" type="slidenum">
               <a:rPr lang="pt-BR" smtClean="0"/>
+              <a:pPr/>
               <a:t>‹nº›</a:t>
             </a:fld>
             <a:endParaRPr lang="pt-BR"/>
@@ -924,7 +931,7 @@
     </p:spTree>
     <p:extLst>
       <p:ext uri="{BB962C8B-B14F-4D97-AF65-F5344CB8AC3E}">
-        <p14:creationId xmlns:p14="http://schemas.microsoft.com/office/powerpoint/2010/main" val="3677130844"/>
+        <p14:creationId xmlns:p14="http://schemas.microsoft.com/office/powerpoint/2010/main" xmlns="" val="3677130844"/>
       </p:ext>
     </p:extLst>
   </p:cSld>
@@ -1342,6 +1349,7 @@
           <a:p>
             <a:fld id="{70249A31-1664-4F51-87D9-D192DA5F4C52}" type="datetimeFigureOut">
               <a:rPr lang="pt-BR" smtClean="0"/>
+              <a:pPr/>
               <a:t>09/03/2018</a:t>
             </a:fld>
             <a:endParaRPr lang="pt-BR"/>
@@ -1384,6 +1392,7 @@
           <a:p>
             <a:fld id="{1997170A-4BD6-419D-BFAC-B705B3AD6352}" type="slidenum">
               <a:rPr lang="pt-BR" smtClean="0"/>
+              <a:pPr/>
               <a:t>‹nº›</a:t>
             </a:fld>
             <a:endParaRPr lang="pt-BR"/>
@@ -1393,7 +1402,7 @@
     </p:spTree>
     <p:extLst>
       <p:ext uri="{BB962C8B-B14F-4D97-AF65-F5344CB8AC3E}">
-        <p14:creationId xmlns:p14="http://schemas.microsoft.com/office/powerpoint/2010/main" val="1347176054"/>
+        <p14:creationId xmlns:p14="http://schemas.microsoft.com/office/powerpoint/2010/main" xmlns="" val="1347176054"/>
       </p:ext>
     </p:extLst>
   </p:cSld>
@@ -1522,6 +1531,7 @@
           <a:p>
             <a:fld id="{70249A31-1664-4F51-87D9-D192DA5F4C52}" type="datetimeFigureOut">
               <a:rPr lang="pt-BR" smtClean="0"/>
+              <a:pPr/>
               <a:t>09/03/2018</a:t>
             </a:fld>
             <a:endParaRPr lang="pt-BR"/>
@@ -1564,6 +1574,7 @@
           <a:p>
             <a:fld id="{1997170A-4BD6-419D-BFAC-B705B3AD6352}" type="slidenum">
               <a:rPr lang="pt-BR" smtClean="0"/>
+              <a:pPr/>
               <a:t>‹nº›</a:t>
             </a:fld>
             <a:endParaRPr lang="pt-BR"/>
@@ -1573,7 +1584,7 @@
     </p:spTree>
     <p:extLst>
       <p:ext uri="{BB962C8B-B14F-4D97-AF65-F5344CB8AC3E}">
-        <p14:creationId xmlns:p14="http://schemas.microsoft.com/office/powerpoint/2010/main" val="3777910601"/>
+        <p14:creationId xmlns:p14="http://schemas.microsoft.com/office/powerpoint/2010/main" xmlns="" val="3777910601"/>
       </p:ext>
     </p:extLst>
   </p:cSld>
@@ -2098,6 +2109,7 @@
           <a:p>
             <a:fld id="{70249A31-1664-4F51-87D9-D192DA5F4C52}" type="datetimeFigureOut">
               <a:rPr lang="pt-BR" smtClean="0"/>
+              <a:pPr/>
               <a:t>09/03/2018</a:t>
             </a:fld>
             <a:endParaRPr lang="pt-BR"/>
@@ -2140,6 +2152,7 @@
           <a:p>
             <a:fld id="{1997170A-4BD6-419D-BFAC-B705B3AD6352}" type="slidenum">
               <a:rPr lang="pt-BR" smtClean="0"/>
+              <a:pPr/>
               <a:t>‹nº›</a:t>
             </a:fld>
             <a:endParaRPr lang="pt-BR"/>
@@ -2149,7 +2162,7 @@
     </p:spTree>
     <p:extLst>
       <p:ext uri="{BB962C8B-B14F-4D97-AF65-F5344CB8AC3E}">
-        <p14:creationId xmlns:p14="http://schemas.microsoft.com/office/powerpoint/2010/main" val="696762511"/>
+        <p14:creationId xmlns:p14="http://schemas.microsoft.com/office/powerpoint/2010/main" xmlns="" val="696762511"/>
       </p:ext>
     </p:extLst>
   </p:cSld>
@@ -2430,6 +2443,7 @@
           <a:p>
             <a:fld id="{70249A31-1664-4F51-87D9-D192DA5F4C52}" type="datetimeFigureOut">
               <a:rPr lang="pt-BR" smtClean="0"/>
+              <a:pPr/>
               <a:t>09/03/2018</a:t>
             </a:fld>
             <a:endParaRPr lang="pt-BR"/>
@@ -2472,6 +2486,7 @@
           <a:p>
             <a:fld id="{1997170A-4BD6-419D-BFAC-B705B3AD6352}" type="slidenum">
               <a:rPr lang="pt-BR" smtClean="0"/>
+              <a:pPr/>
               <a:t>‹nº›</a:t>
             </a:fld>
             <a:endParaRPr lang="pt-BR"/>
@@ -2481,7 +2496,7 @@
     </p:spTree>
     <p:extLst>
       <p:ext uri="{BB962C8B-B14F-4D97-AF65-F5344CB8AC3E}">
-        <p14:creationId xmlns:p14="http://schemas.microsoft.com/office/powerpoint/2010/main" val="1975751618"/>
+        <p14:creationId xmlns:p14="http://schemas.microsoft.com/office/powerpoint/2010/main" xmlns="" val="1975751618"/>
       </p:ext>
     </p:extLst>
   </p:cSld>
@@ -2605,6 +2620,7 @@
           <a:p>
             <a:fld id="{70249A31-1664-4F51-87D9-D192DA5F4C52}" type="datetimeFigureOut">
               <a:rPr lang="pt-BR" smtClean="0"/>
+              <a:pPr/>
               <a:t>09/03/2018</a:t>
             </a:fld>
             <a:endParaRPr lang="pt-BR"/>
@@ -2647,6 +2663,7 @@
           <a:p>
             <a:fld id="{1997170A-4BD6-419D-BFAC-B705B3AD6352}" type="slidenum">
               <a:rPr lang="pt-BR" smtClean="0"/>
+              <a:pPr/>
               <a:t>‹nº›</a:t>
             </a:fld>
             <a:endParaRPr lang="pt-BR"/>
@@ -2656,7 +2673,7 @@
     </p:spTree>
     <p:extLst>
       <p:ext uri="{BB962C8B-B14F-4D97-AF65-F5344CB8AC3E}">
-        <p14:creationId xmlns:p14="http://schemas.microsoft.com/office/powerpoint/2010/main" val="941946356"/>
+        <p14:creationId xmlns:p14="http://schemas.microsoft.com/office/powerpoint/2010/main" xmlns="" val="941946356"/>
       </p:ext>
     </p:extLst>
   </p:cSld>
@@ -2785,6 +2802,7 @@
           <a:p>
             <a:fld id="{70249A31-1664-4F51-87D9-D192DA5F4C52}" type="datetimeFigureOut">
               <a:rPr lang="pt-BR" smtClean="0"/>
+              <a:pPr/>
               <a:t>09/03/2018</a:t>
             </a:fld>
             <a:endParaRPr lang="pt-BR"/>
@@ -2827,6 +2845,7 @@
           <a:p>
             <a:fld id="{1997170A-4BD6-419D-BFAC-B705B3AD6352}" type="slidenum">
               <a:rPr lang="pt-BR" smtClean="0"/>
+              <a:pPr/>
               <a:t>‹nº›</a:t>
             </a:fld>
             <a:endParaRPr lang="pt-BR"/>
@@ -2836,7 +2855,7 @@
     </p:spTree>
     <p:extLst>
       <p:ext uri="{BB962C8B-B14F-4D97-AF65-F5344CB8AC3E}">
-        <p14:creationId xmlns:p14="http://schemas.microsoft.com/office/powerpoint/2010/main" val="1793916215"/>
+        <p14:creationId xmlns:p14="http://schemas.microsoft.com/office/powerpoint/2010/main" xmlns="" val="1793916215"/>
       </p:ext>
     </p:extLst>
   </p:cSld>
@@ -2955,6 +2974,7 @@
           <a:p>
             <a:fld id="{70249A31-1664-4F51-87D9-D192DA5F4C52}" type="datetimeFigureOut">
               <a:rPr lang="pt-BR" smtClean="0"/>
+              <a:pPr/>
               <a:t>09/03/2018</a:t>
             </a:fld>
             <a:endParaRPr lang="pt-BR"/>
@@ -2997,6 +3017,7 @@
           <a:p>
             <a:fld id="{1997170A-4BD6-419D-BFAC-B705B3AD6352}" type="slidenum">
               <a:rPr lang="pt-BR" smtClean="0"/>
+              <a:pPr/>
               <a:t>‹nº›</a:t>
             </a:fld>
             <a:endParaRPr lang="pt-BR"/>
@@ -3006,7 +3027,7 @@
     </p:spTree>
     <p:extLst>
       <p:ext uri="{BB962C8B-B14F-4D97-AF65-F5344CB8AC3E}">
-        <p14:creationId xmlns:p14="http://schemas.microsoft.com/office/powerpoint/2010/main" val="3373395126"/>
+        <p14:creationId xmlns:p14="http://schemas.microsoft.com/office/powerpoint/2010/main" xmlns="" val="3373395126"/>
       </p:ext>
     </p:extLst>
   </p:cSld>
@@ -3212,6 +3233,7 @@
           <a:p>
             <a:fld id="{70249A31-1664-4F51-87D9-D192DA5F4C52}" type="datetimeFigureOut">
               <a:rPr lang="pt-BR" smtClean="0"/>
+              <a:pPr/>
               <a:t>09/03/2018</a:t>
             </a:fld>
             <a:endParaRPr lang="pt-BR"/>
@@ -3254,6 +3276,7 @@
           <a:p>
             <a:fld id="{1997170A-4BD6-419D-BFAC-B705B3AD6352}" type="slidenum">
               <a:rPr lang="pt-BR" smtClean="0"/>
+              <a:pPr/>
               <a:t>‹nº›</a:t>
             </a:fld>
             <a:endParaRPr lang="pt-BR"/>
@@ -3263,7 +3286,7 @@
     </p:spTree>
     <p:extLst>
       <p:ext uri="{BB962C8B-B14F-4D97-AF65-F5344CB8AC3E}">
-        <p14:creationId xmlns:p14="http://schemas.microsoft.com/office/powerpoint/2010/main" val="225810767"/>
+        <p14:creationId xmlns:p14="http://schemas.microsoft.com/office/powerpoint/2010/main" xmlns="" val="225810767"/>
       </p:ext>
     </p:extLst>
   </p:cSld>
@@ -3504,6 +3527,7 @@
           <a:p>
             <a:fld id="{70249A31-1664-4F51-87D9-D192DA5F4C52}" type="datetimeFigureOut">
               <a:rPr lang="pt-BR" smtClean="0"/>
+              <a:pPr/>
               <a:t>09/03/2018</a:t>
             </a:fld>
             <a:endParaRPr lang="pt-BR"/>
@@ -3546,6 +3570,7 @@
           <a:p>
             <a:fld id="{1997170A-4BD6-419D-BFAC-B705B3AD6352}" type="slidenum">
               <a:rPr lang="pt-BR" smtClean="0"/>
+              <a:pPr/>
               <a:t>‹nº›</a:t>
             </a:fld>
             <a:endParaRPr lang="pt-BR"/>
@@ -3555,7 +3580,7 @@
     </p:spTree>
     <p:extLst>
       <p:ext uri="{BB962C8B-B14F-4D97-AF65-F5344CB8AC3E}">
-        <p14:creationId xmlns:p14="http://schemas.microsoft.com/office/powerpoint/2010/main" val="1228007799"/>
+        <p14:creationId xmlns:p14="http://schemas.microsoft.com/office/powerpoint/2010/main" xmlns="" val="1228007799"/>
       </p:ext>
     </p:extLst>
   </p:cSld>
@@ -3934,6 +3959,7 @@
           <a:p>
             <a:fld id="{70249A31-1664-4F51-87D9-D192DA5F4C52}" type="datetimeFigureOut">
               <a:rPr lang="pt-BR" smtClean="0"/>
+              <a:pPr/>
               <a:t>09/03/2018</a:t>
             </a:fld>
             <a:endParaRPr lang="pt-BR"/>
@@ -3976,6 +4002,7 @@
           <a:p>
             <a:fld id="{1997170A-4BD6-419D-BFAC-B705B3AD6352}" type="slidenum">
               <a:rPr lang="pt-BR" smtClean="0"/>
+              <a:pPr/>
               <a:t>‹nº›</a:t>
             </a:fld>
             <a:endParaRPr lang="pt-BR"/>
@@ -3985,7 +4012,7 @@
     </p:spTree>
     <p:extLst>
       <p:ext uri="{BB962C8B-B14F-4D97-AF65-F5344CB8AC3E}">
-        <p14:creationId xmlns:p14="http://schemas.microsoft.com/office/powerpoint/2010/main" val="1908611007"/>
+        <p14:creationId xmlns:p14="http://schemas.microsoft.com/office/powerpoint/2010/main" xmlns="" val="1908611007"/>
       </p:ext>
     </p:extLst>
   </p:cSld>
@@ -4052,6 +4079,7 @@
           <a:p>
             <a:fld id="{70249A31-1664-4F51-87D9-D192DA5F4C52}" type="datetimeFigureOut">
               <a:rPr lang="pt-BR" smtClean="0"/>
+              <a:pPr/>
               <a:t>09/03/2018</a:t>
             </a:fld>
             <a:endParaRPr lang="pt-BR"/>
@@ -4094,6 +4122,7 @@
           <a:p>
             <a:fld id="{1997170A-4BD6-419D-BFAC-B705B3AD6352}" type="slidenum">
               <a:rPr lang="pt-BR" smtClean="0"/>
+              <a:pPr/>
               <a:t>‹nº›</a:t>
             </a:fld>
             <a:endParaRPr lang="pt-BR"/>
@@ -4103,7 +4132,7 @@
     </p:spTree>
     <p:extLst>
       <p:ext uri="{BB962C8B-B14F-4D97-AF65-F5344CB8AC3E}">
-        <p14:creationId xmlns:p14="http://schemas.microsoft.com/office/powerpoint/2010/main" val="1711554166"/>
+        <p14:creationId xmlns:p14="http://schemas.microsoft.com/office/powerpoint/2010/main" xmlns="" val="1711554166"/>
       </p:ext>
     </p:extLst>
   </p:cSld>
@@ -4147,6 +4176,7 @@
           <a:p>
             <a:fld id="{70249A31-1664-4F51-87D9-D192DA5F4C52}" type="datetimeFigureOut">
               <a:rPr lang="pt-BR" smtClean="0"/>
+              <a:pPr/>
               <a:t>09/03/2018</a:t>
             </a:fld>
             <a:endParaRPr lang="pt-BR"/>
@@ -4189,6 +4219,7 @@
           <a:p>
             <a:fld id="{1997170A-4BD6-419D-BFAC-B705B3AD6352}" type="slidenum">
               <a:rPr lang="pt-BR" smtClean="0"/>
+              <a:pPr/>
               <a:t>‹nº›</a:t>
             </a:fld>
             <a:endParaRPr lang="pt-BR"/>
@@ -4198,7 +4229,7 @@
     </p:spTree>
     <p:extLst>
       <p:ext uri="{BB962C8B-B14F-4D97-AF65-F5344CB8AC3E}">
-        <p14:creationId xmlns:p14="http://schemas.microsoft.com/office/powerpoint/2010/main" val="953356983"/>
+        <p14:creationId xmlns:p14="http://schemas.microsoft.com/office/powerpoint/2010/main" xmlns="" val="953356983"/>
       </p:ext>
     </p:extLst>
   </p:cSld>
@@ -4430,6 +4461,7 @@
           <a:p>
             <a:fld id="{70249A31-1664-4F51-87D9-D192DA5F4C52}" type="datetimeFigureOut">
               <a:rPr lang="pt-BR" smtClean="0"/>
+              <a:pPr/>
               <a:t>09/03/2018</a:t>
             </a:fld>
             <a:endParaRPr lang="pt-BR"/>
@@ -4472,6 +4504,7 @@
           <a:p>
             <a:fld id="{1997170A-4BD6-419D-BFAC-B705B3AD6352}" type="slidenum">
               <a:rPr lang="pt-BR" smtClean="0"/>
+              <a:pPr/>
               <a:t>‹nº›</a:t>
             </a:fld>
             <a:endParaRPr lang="pt-BR"/>
@@ -4481,7 +4514,7 @@
     </p:spTree>
     <p:extLst>
       <p:ext uri="{BB962C8B-B14F-4D97-AF65-F5344CB8AC3E}">
-        <p14:creationId xmlns:p14="http://schemas.microsoft.com/office/powerpoint/2010/main" val="1823951153"/>
+        <p14:creationId xmlns:p14="http://schemas.microsoft.com/office/powerpoint/2010/main" xmlns="" val="1823951153"/>
       </p:ext>
     </p:extLst>
   </p:cSld>
@@ -4721,6 +4754,7 @@
           <a:p>
             <a:fld id="{70249A31-1664-4F51-87D9-D192DA5F4C52}" type="datetimeFigureOut">
               <a:rPr lang="pt-BR" smtClean="0"/>
+              <a:pPr/>
               <a:t>09/03/2018</a:t>
             </a:fld>
             <a:endParaRPr lang="pt-BR"/>
@@ -4773,6 +4807,7 @@
           <a:p>
             <a:fld id="{1997170A-4BD6-419D-BFAC-B705B3AD6352}" type="slidenum">
               <a:rPr lang="pt-BR" smtClean="0"/>
+              <a:pPr/>
               <a:t>‹nº›</a:t>
             </a:fld>
             <a:endParaRPr lang="pt-BR"/>
@@ -4782,7 +4817,7 @@
     </p:spTree>
     <p:extLst>
       <p:ext uri="{BB962C8B-B14F-4D97-AF65-F5344CB8AC3E}">
-        <p14:creationId xmlns:p14="http://schemas.microsoft.com/office/powerpoint/2010/main" val="2086558942"/>
+        <p14:creationId xmlns:p14="http://schemas.microsoft.com/office/powerpoint/2010/main" xmlns="" val="2086558942"/>
       </p:ext>
     </p:extLst>
   </p:cSld>
@@ -4952,6 +4987,7 @@
           <a:p>
             <a:fld id="{70249A31-1664-4F51-87D9-D192DA5F4C52}" type="datetimeFigureOut">
               <a:rPr lang="pt-BR" smtClean="0"/>
+              <a:pPr/>
               <a:t>09/03/2018</a:t>
             </a:fld>
             <a:endParaRPr lang="pt-BR"/>
@@ -5046,6 +5082,7 @@
           <a:p>
             <a:fld id="{1997170A-4BD6-419D-BFAC-B705B3AD6352}" type="slidenum">
               <a:rPr lang="pt-BR" smtClean="0"/>
+              <a:pPr/>
               <a:t>‹nº›</a:t>
             </a:fld>
             <a:endParaRPr lang="pt-BR"/>
@@ -5055,7 +5092,7 @@
     </p:spTree>
     <p:extLst>
       <p:ext uri="{BB962C8B-B14F-4D97-AF65-F5344CB8AC3E}">
-        <p14:creationId xmlns:p14="http://schemas.microsoft.com/office/powerpoint/2010/main" val="701326059"/>
+        <p14:creationId xmlns:p14="http://schemas.microsoft.com/office/powerpoint/2010/main" xmlns="" val="701326059"/>
       </p:ext>
     </p:extLst>
   </p:cSld>
@@ -5802,7 +5839,7 @@
     </p:spTree>
     <p:extLst>
       <p:ext uri="{BB962C8B-B14F-4D97-AF65-F5344CB8AC3E}">
-        <p14:creationId xmlns:p14="http://schemas.microsoft.com/office/powerpoint/2010/main" val="3346360541"/>
+        <p14:creationId xmlns:p14="http://schemas.microsoft.com/office/powerpoint/2010/main" xmlns="" val="3346360541"/>
       </p:ext>
     </p:extLst>
   </p:cSld>
@@ -5860,7 +5897,7 @@
     </p:spTree>
     <p:extLst>
       <p:ext uri="{BB962C8B-B14F-4D97-AF65-F5344CB8AC3E}">
-        <p14:creationId xmlns:p14="http://schemas.microsoft.com/office/powerpoint/2010/main" val="2190973072"/>
+        <p14:creationId xmlns:p14="http://schemas.microsoft.com/office/powerpoint/2010/main" xmlns="" val="2190973072"/>
       </p:ext>
     </p:extLst>
   </p:cSld>
@@ -5918,7 +5955,7 @@
     </p:spTree>
     <p:extLst>
       <p:ext uri="{BB962C8B-B14F-4D97-AF65-F5344CB8AC3E}">
-        <p14:creationId xmlns:p14="http://schemas.microsoft.com/office/powerpoint/2010/main" val="1646731033"/>
+        <p14:creationId xmlns:p14="http://schemas.microsoft.com/office/powerpoint/2010/main" xmlns="" val="1646731033"/>
       </p:ext>
     </p:extLst>
   </p:cSld>
@@ -5962,12 +5999,18 @@
           </a:xfrm>
         </p:spPr>
         <p:txBody>
-          <a:bodyPr/>
-          <a:lstStyle/>
-          <a:p>
-            <a:r>
-              <a:rPr lang="pt-BR" dirty="0" smtClean="0"/>
-              <a:t>SUGESTÕES/DÚVIDAS</a:t>
+          <a:bodyPr>
+            <a:normAutofit fontScale="90000"/>
+          </a:bodyPr>
+          <a:lstStyle/>
+          <a:p>
+            <a:r>
+              <a:rPr lang="pt-BR" smtClean="0"/>
+              <a:t>PERSONAL </a:t>
+            </a:r>
+            <a:r>
+              <a:rPr lang="pt-BR" smtClean="0"/>
+              <a:t>ROBOT - &lt;&lt;CASO DE USO PRINCIPAL&gt;&gt;</a:t>
             </a:r>
             <a:endParaRPr lang="pt-BR" dirty="0"/>
           </a:p>
@@ -5976,7 +6019,65 @@
     </p:spTree>
     <p:extLst>
       <p:ext uri="{BB962C8B-B14F-4D97-AF65-F5344CB8AC3E}">
-        <p14:creationId xmlns:p14="http://schemas.microsoft.com/office/powerpoint/2010/main" val="1815488495"/>
+        <p14:creationId xmlns:p14="http://schemas.microsoft.com/office/powerpoint/2010/main" xmlns="" val="1646731033"/>
+      </p:ext>
+    </p:extLst>
+  </p:cSld>
+  <p:clrMapOvr>
+    <a:masterClrMapping/>
+  </p:clrMapOvr>
+</p:sld>
+</file>
+
+<file path=ppt/slides/slide5.xml><?xml version="1.0" encoding="utf-8"?>
+<p:sld xmlns:a="http://schemas.openxmlformats.org/drawingml/2006/main" xmlns:r="http://schemas.openxmlformats.org/officeDocument/2006/relationships" xmlns:p="http://schemas.openxmlformats.org/presentationml/2006/main">
+  <p:cSld>
+    <p:spTree>
+      <p:nvGrpSpPr>
+        <p:cNvPr id="1" name=""/>
+        <p:cNvGrpSpPr/>
+        <p:nvPr/>
+      </p:nvGrpSpPr>
+      <p:grpSpPr>
+        <a:xfrm>
+          <a:off x="0" y="0"/>
+          <a:ext cx="0" cy="0"/>
+          <a:chOff x="0" y="0"/>
+          <a:chExt cx="0" cy="0"/>
+        </a:xfrm>
+      </p:grpSpPr>
+      <p:sp>
+        <p:nvSpPr>
+          <p:cNvPr id="2" name="Título 1"/>
+          <p:cNvSpPr>
+            <a:spLocks noGrp="1"/>
+          </p:cNvSpPr>
+          <p:nvPr>
+            <p:ph type="title"/>
+          </p:nvPr>
+        </p:nvSpPr>
+        <p:spPr>
+          <a:xfrm>
+            <a:off x="1141413" y="609600"/>
+            <a:ext cx="9905998" cy="803564"/>
+          </a:xfrm>
+        </p:spPr>
+        <p:txBody>
+          <a:bodyPr/>
+          <a:lstStyle/>
+          <a:p>
+            <a:r>
+              <a:rPr lang="pt-BR" dirty="0" smtClean="0"/>
+              <a:t>SUGESTÕES/DÚVIDAS</a:t>
+            </a:r>
+            <a:endParaRPr lang="pt-BR" dirty="0"/>
+          </a:p>
+        </p:txBody>
+      </p:sp>
+    </p:spTree>
+    <p:extLst>
+      <p:ext uri="{BB962C8B-B14F-4D97-AF65-F5344CB8AC3E}">
+        <p14:creationId xmlns:p14="http://schemas.microsoft.com/office/powerpoint/2010/main" xmlns="" val="1815488495"/>
       </p:ext>
     </p:extLst>
   </p:cSld>
@@ -6029,7 +6130,7 @@
     </a:clrScheme>
     <a:fontScheme name="Malha">
       <a:majorFont>
-        <a:latin typeface="Century Gothic" panose="020B0502020202020204"/>
+        <a:latin typeface="Century Gothic"/>
         <a:ea typeface=""/>
         <a:cs typeface=""/>
         <a:font script="Jpan" typeface="ＭＳ ゴシック"/>
@@ -6064,7 +6165,7 @@
         <a:font script="Geor" typeface="Sylfaen"/>
       </a:majorFont>
       <a:minorFont>
-        <a:latin typeface="Century Gothic" panose="020B0502020202020204"/>
+        <a:latin typeface="Century Gothic"/>
         <a:ea typeface=""/>
         <a:cs typeface=""/>
         <a:font script="Jpan" typeface="ＭＳ ゴシック"/>
@@ -6236,7 +6337,7 @@
   <a:extraClrSchemeLst/>
   <a:extLst>
     <a:ext uri="{05A4C25C-085E-4340-85A3-A5531E510DB2}">
-      <thm15:themeFamily xmlns:thm15="http://schemas.microsoft.com/office/thememl/2012/main" name="Mesh" id="{789EC3FE-34FD-429C-9918-760025E6C145}" vid="{B8BE45C0-8141-4D58-8C71-A009BC26FBBB}"/>
+      <thm15:themeFamily xmlns:thm15="http://schemas.microsoft.com/office/thememl/2012/main" xmlns="" name="Mesh" id="{789EC3FE-34FD-429C-9918-760025E6C145}" vid="{B8BE45C0-8141-4D58-8C71-A009BC26FBBB}"/>
     </a:ext>
   </a:extLst>
 </a:theme>
